--- a/Sprint/Sprint 00/Model Sprint0.pptx
+++ b/Sprint/Sprint 00/Model Sprint0.pptx
@@ -259,7 +259,7 @@
           <a:p>
             <a:fld id="{B31E3D85-A7E1-48A8-A6C3-EA09155FF9AE}" type="datetimeFigureOut">
               <a:rPr lang="it-IT" smtClean="0"/>
-              <a:t>18/04/2020</a:t>
+              <a:t>19/04/20</a:t>
             </a:fld>
             <a:endParaRPr lang="it-IT"/>
           </a:p>
@@ -457,7 +457,7 @@
           <a:p>
             <a:fld id="{B31E3D85-A7E1-48A8-A6C3-EA09155FF9AE}" type="datetimeFigureOut">
               <a:rPr lang="it-IT" smtClean="0"/>
-              <a:t>18/04/2020</a:t>
+              <a:t>19/04/20</a:t>
             </a:fld>
             <a:endParaRPr lang="it-IT"/>
           </a:p>
@@ -665,7 +665,7 @@
           <a:p>
             <a:fld id="{B31E3D85-A7E1-48A8-A6C3-EA09155FF9AE}" type="datetimeFigureOut">
               <a:rPr lang="it-IT" smtClean="0"/>
-              <a:t>18/04/2020</a:t>
+              <a:t>19/04/20</a:t>
             </a:fld>
             <a:endParaRPr lang="it-IT"/>
           </a:p>
@@ -863,7 +863,7 @@
           <a:p>
             <a:fld id="{B31E3D85-A7E1-48A8-A6C3-EA09155FF9AE}" type="datetimeFigureOut">
               <a:rPr lang="it-IT" smtClean="0"/>
-              <a:t>18/04/2020</a:t>
+              <a:t>19/04/20</a:t>
             </a:fld>
             <a:endParaRPr lang="it-IT"/>
           </a:p>
@@ -1138,7 +1138,7 @@
           <a:p>
             <a:fld id="{B31E3D85-A7E1-48A8-A6C3-EA09155FF9AE}" type="datetimeFigureOut">
               <a:rPr lang="it-IT" smtClean="0"/>
-              <a:t>18/04/2020</a:t>
+              <a:t>19/04/20</a:t>
             </a:fld>
             <a:endParaRPr lang="it-IT"/>
           </a:p>
@@ -1403,7 +1403,7 @@
           <a:p>
             <a:fld id="{B31E3D85-A7E1-48A8-A6C3-EA09155FF9AE}" type="datetimeFigureOut">
               <a:rPr lang="it-IT" smtClean="0"/>
-              <a:t>18/04/2020</a:t>
+              <a:t>19/04/20</a:t>
             </a:fld>
             <a:endParaRPr lang="it-IT"/>
           </a:p>
@@ -1815,7 +1815,7 @@
           <a:p>
             <a:fld id="{B31E3D85-A7E1-48A8-A6C3-EA09155FF9AE}" type="datetimeFigureOut">
               <a:rPr lang="it-IT" smtClean="0"/>
-              <a:t>18/04/2020</a:t>
+              <a:t>19/04/20</a:t>
             </a:fld>
             <a:endParaRPr lang="it-IT"/>
           </a:p>
@@ -1956,7 +1956,7 @@
           <a:p>
             <a:fld id="{B31E3D85-A7E1-48A8-A6C3-EA09155FF9AE}" type="datetimeFigureOut">
               <a:rPr lang="it-IT" smtClean="0"/>
-              <a:t>18/04/2020</a:t>
+              <a:t>19/04/20</a:t>
             </a:fld>
             <a:endParaRPr lang="it-IT"/>
           </a:p>
@@ -2069,7 +2069,7 @@
           <a:p>
             <a:fld id="{B31E3D85-A7E1-48A8-A6C3-EA09155FF9AE}" type="datetimeFigureOut">
               <a:rPr lang="it-IT" smtClean="0"/>
-              <a:t>18/04/2020</a:t>
+              <a:t>19/04/20</a:t>
             </a:fld>
             <a:endParaRPr lang="it-IT"/>
           </a:p>
@@ -2380,7 +2380,7 @@
           <a:p>
             <a:fld id="{B31E3D85-A7E1-48A8-A6C3-EA09155FF9AE}" type="datetimeFigureOut">
               <a:rPr lang="it-IT" smtClean="0"/>
-              <a:t>18/04/2020</a:t>
+              <a:t>19/04/20</a:t>
             </a:fld>
             <a:endParaRPr lang="it-IT"/>
           </a:p>
@@ -2668,7 +2668,7 @@
           <a:p>
             <a:fld id="{B31E3D85-A7E1-48A8-A6C3-EA09155FF9AE}" type="datetimeFigureOut">
               <a:rPr lang="it-IT" smtClean="0"/>
-              <a:t>18/04/2020</a:t>
+              <a:t>19/04/20</a:t>
             </a:fld>
             <a:endParaRPr lang="it-IT"/>
           </a:p>
@@ -2909,7 +2909,7 @@
           <a:p>
             <a:fld id="{B31E3D85-A7E1-48A8-A6C3-EA09155FF9AE}" type="datetimeFigureOut">
               <a:rPr lang="it-IT" smtClean="0"/>
-              <a:t>18/04/2020</a:t>
+              <a:t>19/04/20</a:t>
             </a:fld>
             <a:endParaRPr lang="it-IT"/>
           </a:p>
@@ -3340,8 +3340,8 @@
         </p:nvSpPr>
         <p:spPr>
           <a:xfrm>
-            <a:off x="426126" y="473219"/>
-            <a:ext cx="11339750" cy="6148634"/>
+            <a:off x="426126" y="215900"/>
+            <a:ext cx="11339750" cy="6405953"/>
           </a:xfrm>
           <a:prstGeom prst="roundRect">
             <a:avLst/>
@@ -3413,7 +3413,7 @@
         </p:nvSpPr>
         <p:spPr>
           <a:xfrm>
-            <a:off x="4954126" y="463969"/>
+            <a:off x="4954126" y="209969"/>
             <a:ext cx="2736376" cy="399496"/>
           </a:xfrm>
           <a:prstGeom prst="rect">
@@ -3540,12 +3540,20 @@
             <a:p>
               <a:pPr algn="ctr"/>
               <a:r>
+                <a:rPr lang="it-IT" dirty="0" err="1">
+                  <a:solidFill>
+                    <a:schemeClr val="tx1"/>
+                  </a:solidFill>
+                </a:rPr>
+                <a:t>basic</a:t>
+              </a:r>
+              <a:r>
                 <a:rPr lang="it-IT" dirty="0">
                   <a:solidFill>
                     <a:schemeClr val="tx1"/>
                   </a:solidFill>
                 </a:rPr>
-                <a:t>Basic robot</a:t>
+                <a:t> robot</a:t>
               </a:r>
             </a:p>
           </p:txBody>
@@ -3715,7 +3723,7 @@
         </p:nvGrpSpPr>
         <p:grpSpPr>
           <a:xfrm>
-            <a:off x="6922899" y="3179201"/>
+            <a:off x="7519799" y="2925201"/>
             <a:ext cx="1745203" cy="967667"/>
             <a:chOff x="6736343" y="1517255"/>
             <a:chExt cx="1745203" cy="967667"/>
@@ -3795,12 +3803,20 @@
             <a:p>
               <a:pPr algn="ctr"/>
               <a:r>
+                <a:rPr lang="it-IT" sz="1500" dirty="0" err="1">
+                  <a:solidFill>
+                    <a:schemeClr val="tx1"/>
+                  </a:solidFill>
+                </a:rPr>
+                <a:t>resource</a:t>
+              </a:r>
+              <a:r>
                 <a:rPr lang="it-IT" sz="1500" dirty="0">
                   <a:solidFill>
                     <a:schemeClr val="tx1"/>
                   </a:solidFill>
                 </a:rPr>
-                <a:t>Resource model</a:t>
+                <a:t> model</a:t>
               </a:r>
             </a:p>
           </p:txBody>
@@ -4050,12 +4066,20 @@
             <a:p>
               <a:pPr algn="ctr"/>
               <a:r>
+                <a:rPr lang="it-IT" sz="1600" dirty="0" err="1">
+                  <a:solidFill>
+                    <a:schemeClr val="tx1"/>
+                  </a:solidFill>
+                </a:rPr>
+                <a:t>oneCell</a:t>
+              </a:r>
+              <a:r>
                 <a:rPr lang="it-IT" sz="1600" dirty="0">
                   <a:solidFill>
                     <a:schemeClr val="tx1"/>
                   </a:solidFill>
                 </a:rPr>
-                <a:t>OneCell forward</a:t>
+                <a:t> forward</a:t>
               </a:r>
             </a:p>
           </p:txBody>
@@ -4225,7 +4249,7 @@
         </p:nvGrpSpPr>
         <p:grpSpPr>
           <a:xfrm>
-            <a:off x="8732062" y="1601616"/>
+            <a:off x="6153962" y="1195216"/>
             <a:ext cx="1745203" cy="967667"/>
             <a:chOff x="6736343" y="1517255"/>
             <a:chExt cx="1745203" cy="967667"/>
@@ -4310,19 +4334,24 @@
                     <a:schemeClr val="tx1"/>
                   </a:solidFill>
                 </a:rPr>
-                <a:t>Sonar</a:t>
+                <a:t>sonar</a:t>
               </a:r>
             </a:p>
             <a:p>
               <a:pPr algn="ctr"/>
               <a:r>
-                <a:rPr lang="it-IT" sz="1600" dirty="0">
+                <a:rPr lang="it-IT" sz="1600" dirty="0" err="1">
                   <a:solidFill>
                     <a:schemeClr val="tx1"/>
                   </a:solidFill>
                 </a:rPr>
-                <a:t>Handler</a:t>
+                <a:t>handler</a:t>
               </a:r>
+              <a:endParaRPr lang="it-IT" sz="1600" dirty="0">
+                <a:solidFill>
+                  <a:schemeClr val="tx1"/>
+                </a:solidFill>
+              </a:endParaRPr>
             </a:p>
           </p:txBody>
         </p:sp>
@@ -4571,13 +4600,18 @@
             <a:p>
               <a:pPr algn="ctr"/>
               <a:r>
-                <a:rPr lang="it-IT" sz="1200" dirty="0">
+                <a:rPr lang="it-IT" sz="1200" dirty="0" err="1">
                   <a:solidFill>
                     <a:schemeClr val="tx1"/>
                   </a:solidFill>
                 </a:rPr>
-                <a:t>Robotmind</a:t>
+                <a:t>robotmind</a:t>
               </a:r>
+              <a:endParaRPr lang="it-IT" sz="1200" dirty="0">
+                <a:solidFill>
+                  <a:schemeClr val="tx1"/>
+                </a:solidFill>
+              </a:endParaRPr>
             </a:p>
             <a:p>
               <a:pPr algn="ctr"/>
@@ -4866,52 +4900,6 @@
       </p:sp>
       <p:cxnSp>
         <p:nvCxnSpPr>
-          <p:cNvPr id="100" name="Connettore a gomito 99">
-            <a:extLst>
-              <a:ext uri="{FF2B5EF4-FFF2-40B4-BE49-F238E27FC236}">
-                <a16:creationId xmlns:a16="http://schemas.microsoft.com/office/drawing/2014/main" id="{62697AA4-FEAF-4792-ACC6-572DEFE309A5}"/>
-              </a:ext>
-            </a:extLst>
-          </p:cNvPr>
-          <p:cNvCxnSpPr>
-            <a:cxnSpLocks/>
-            <a:stCxn id="111" idx="2"/>
-            <a:endCxn id="25" idx="1"/>
-          </p:cNvCxnSpPr>
-          <p:nvPr/>
-        </p:nvCxnSpPr>
-        <p:spPr>
-          <a:xfrm rot="5400000">
-            <a:off x="6067859" y="2605078"/>
-            <a:ext cx="1868611" cy="158530"/>
-          </a:xfrm>
-          <a:prstGeom prst="bentConnector4">
-            <a:avLst>
-              <a:gd name="adj1" fmla="val 28621"/>
-              <a:gd name="adj2" fmla="val 244200"/>
-            </a:avLst>
-          </a:prstGeom>
-          <a:ln>
-            <a:tailEnd type="triangle"/>
-          </a:ln>
-        </p:spPr>
-        <p:style>
-          <a:lnRef idx="1">
-            <a:schemeClr val="dk1"/>
-          </a:lnRef>
-          <a:fillRef idx="0">
-            <a:schemeClr val="dk1"/>
-          </a:fillRef>
-          <a:effectRef idx="0">
-            <a:schemeClr val="dk1"/>
-          </a:effectRef>
-          <a:fontRef idx="minor">
-            <a:schemeClr val="tx1"/>
-          </a:fontRef>
-        </p:style>
-      </p:cxnSp>
-      <p:cxnSp>
-        <p:nvCxnSpPr>
           <p:cNvPr id="102" name="Connettore a gomito 101">
             <a:extLst>
               <a:ext uri="{FF2B5EF4-FFF2-40B4-BE49-F238E27FC236}">
@@ -4928,8 +4916,8 @@
         </p:nvCxnSpPr>
         <p:spPr>
           <a:xfrm flipV="1">
-            <a:off x="3062582" y="3618649"/>
-            <a:ext cx="3860317" cy="374084"/>
+            <a:off x="3062582" y="3364649"/>
+            <a:ext cx="4457217" cy="628084"/>
           </a:xfrm>
           <a:prstGeom prst="bentConnector3">
             <a:avLst>
@@ -4957,10 +4945,10 @@
       </p:cxnSp>
       <p:sp>
         <p:nvSpPr>
-          <p:cNvPr id="111" name="Rettangolo 110">
-            <a:extLst>
-              <a:ext uri="{FF2B5EF4-FFF2-40B4-BE49-F238E27FC236}">
-                <a16:creationId xmlns:a16="http://schemas.microsoft.com/office/drawing/2014/main" id="{0384BF6A-2241-41CC-9C10-56CB777F7EAE}"/>
+          <p:cNvPr id="113" name="Saetta 112">
+            <a:extLst>
+              <a:ext uri="{FF2B5EF4-FFF2-40B4-BE49-F238E27FC236}">
+                <a16:creationId xmlns:a16="http://schemas.microsoft.com/office/drawing/2014/main" id="{B36F7DA7-052E-4167-910D-D093D4D1755A}"/>
               </a:ext>
             </a:extLst>
           </p:cNvPr>
@@ -4968,57 +4956,8 @@
           <p:nvPr/>
         </p:nvSpPr>
         <p:spPr>
-          <a:xfrm>
-            <a:off x="6319643" y="1204406"/>
-            <a:ext cx="1523571" cy="545632"/>
-          </a:xfrm>
-          <a:prstGeom prst="rect">
-            <a:avLst/>
-          </a:prstGeom>
-        </p:spPr>
-        <p:style>
-          <a:lnRef idx="2">
-            <a:schemeClr val="accent1">
-              <a:shade val="50000"/>
-            </a:schemeClr>
-          </a:lnRef>
-          <a:fillRef idx="1">
-            <a:schemeClr val="accent1"/>
-          </a:fillRef>
-          <a:effectRef idx="0">
-            <a:schemeClr val="accent1"/>
-          </a:effectRef>
-          <a:fontRef idx="minor">
-            <a:schemeClr val="lt1"/>
-          </a:fontRef>
-        </p:style>
-        <p:txBody>
-          <a:bodyPr rtlCol="0" anchor="ctr"/>
-          <a:lstStyle/>
-          <a:p>
-            <a:pPr algn="ctr"/>
-            <a:r>
-              <a:rPr lang="it-IT" sz="1600" b="1" dirty="0"/>
-              <a:t>infrastruttura</a:t>
-            </a:r>
-          </a:p>
-        </p:txBody>
-      </p:sp>
-      <p:sp>
-        <p:nvSpPr>
-          <p:cNvPr id="113" name="Saetta 112">
-            <a:extLst>
-              <a:ext uri="{FF2B5EF4-FFF2-40B4-BE49-F238E27FC236}">
-                <a16:creationId xmlns:a16="http://schemas.microsoft.com/office/drawing/2014/main" id="{B36F7DA7-052E-4167-910D-D093D4D1755A}"/>
-              </a:ext>
-            </a:extLst>
-          </p:cNvPr>
-          <p:cNvSpPr/>
-          <p:nvPr/>
-        </p:nvSpPr>
-        <p:spPr>
           <a:xfrm rot="20352147">
-            <a:off x="8436194" y="3617111"/>
+            <a:off x="9033094" y="3363111"/>
             <a:ext cx="718782" cy="770735"/>
           </a:xfrm>
           <a:prstGeom prst="lightningBolt">
@@ -5072,7 +5011,7 @@
         </p:nvSpPr>
         <p:spPr>
           <a:xfrm>
-            <a:off x="9119878" y="3826008"/>
+            <a:off x="9716778" y="3572008"/>
             <a:ext cx="1786854" cy="307777"/>
           </a:xfrm>
           <a:prstGeom prst="rect">
@@ -5093,41 +5032,6 @@
                 </a:solidFill>
               </a:rPr>
               <a:t>Local_modelChanged</a:t>
-            </a:r>
-          </a:p>
-        </p:txBody>
-      </p:sp>
-      <p:sp>
-        <p:nvSpPr>
-          <p:cNvPr id="172" name="CasellaDiTesto 171">
-            <a:extLst>
-              <a:ext uri="{FF2B5EF4-FFF2-40B4-BE49-F238E27FC236}">
-                <a16:creationId xmlns:a16="http://schemas.microsoft.com/office/drawing/2014/main" id="{AC26AB3E-13EE-4590-A0C4-C9D877961039}"/>
-              </a:ext>
-            </a:extLst>
-          </p:cNvPr>
-          <p:cNvSpPr txBox="1"/>
-          <p:nvPr/>
-        </p:nvSpPr>
-        <p:spPr>
-          <a:xfrm>
-            <a:off x="6666410" y="2300387"/>
-            <a:ext cx="1786854" cy="307777"/>
-          </a:xfrm>
-          <a:prstGeom prst="rect">
-            <a:avLst/>
-          </a:prstGeom>
-          <a:noFill/>
-        </p:spPr>
-        <p:txBody>
-          <a:bodyPr wrap="square" rtlCol="0">
-            <a:spAutoFit/>
-          </a:bodyPr>
-          <a:lstStyle/>
-          <a:p>
-            <a:r>
-              <a:rPr lang="it-IT" sz="1400" b="1" dirty="0"/>
-              <a:t>modelChange</a:t>
             </a:r>
           </a:p>
         </p:txBody>
@@ -5401,7 +5305,7 @@
         </p:nvSpPr>
         <p:spPr>
           <a:xfrm rot="20352147">
-            <a:off x="8544982" y="1220216"/>
+            <a:off x="5966882" y="813816"/>
             <a:ext cx="718782" cy="770735"/>
           </a:xfrm>
           <a:prstGeom prst="lightningBolt">
@@ -5455,7 +5359,7 @@
         </p:nvSpPr>
         <p:spPr>
           <a:xfrm>
-            <a:off x="8720348" y="775782"/>
+            <a:off x="5202573" y="928147"/>
             <a:ext cx="1786854" cy="523220"/>
           </a:xfrm>
           <a:prstGeom prst="rect">
@@ -5508,14 +5412,14 @@
         </p:nvCxnSpPr>
         <p:spPr>
           <a:xfrm flipH="1">
-            <a:off x="6922899" y="2085450"/>
-            <a:ext cx="3554366" cy="1533199"/>
+            <a:off x="7519799" y="1679050"/>
+            <a:ext cx="379366" cy="1685599"/>
           </a:xfrm>
           <a:prstGeom prst="bentConnector5">
             <a:avLst>
-              <a:gd name="adj1" fmla="val -6432"/>
-              <a:gd name="adj2" fmla="val 59409"/>
-              <a:gd name="adj3" fmla="val 115424"/>
+              <a:gd name="adj1" fmla="val -60258"/>
+              <a:gd name="adj2" fmla="val 58558"/>
+              <a:gd name="adj3" fmla="val 160258"/>
             </a:avLst>
           </a:prstGeom>
           <a:ln>
@@ -5551,7 +5455,7 @@
         </p:nvSpPr>
         <p:spPr>
           <a:xfrm>
-            <a:off x="8541961" y="2733050"/>
+            <a:off x="8100822" y="1981174"/>
             <a:ext cx="1786854" cy="307777"/>
           </a:xfrm>
           <a:prstGeom prst="rect">
@@ -5590,14 +5494,14 @@
         </p:nvCxnSpPr>
         <p:spPr>
           <a:xfrm flipH="1" flipV="1">
-            <a:off x="6922899" y="3618649"/>
-            <a:ext cx="886059" cy="1669895"/>
+            <a:off x="7519799" y="3364649"/>
+            <a:ext cx="289159" cy="1923895"/>
           </a:xfrm>
           <a:prstGeom prst="bentConnector5">
             <a:avLst>
-              <a:gd name="adj1" fmla="val -25800"/>
-              <a:gd name="adj2" fmla="val 60234"/>
-              <a:gd name="adj3" fmla="val 161869"/>
+              <a:gd name="adj1" fmla="val -79057"/>
+              <a:gd name="adj2" fmla="val 57498"/>
+              <a:gd name="adj3" fmla="val 179057"/>
             </a:avLst>
           </a:prstGeom>
           <a:ln>
